--- a/Git & Git Hub.pptx
+++ b/Git & Git Hub.pptx
@@ -13,6 +13,7 @@
     <p:sldId id="260" r:id="rId7"/>
     <p:sldId id="263" r:id="rId8"/>
     <p:sldId id="264" r:id="rId9"/>
+    <p:sldId id="265" r:id="rId10"/>
   </p:sldIdLst>
   <p:sldSz cx="12192000" cy="6858000"/>
   <p:notesSz cx="6858000" cy="9144000"/>
@@ -266,7 +267,7 @@
           <a:p>
             <a:fld id="{C3846A03-56D7-45AB-AA1A-DD18A66C2B17}" type="datetimeFigureOut">
               <a:rPr lang="en-US" smtClean="0"/>
-              <a:t>9/7/2025</a:t>
+              <a:t>9/13/2025</a:t>
             </a:fld>
             <a:endParaRPr lang="en-US"/>
           </a:p>
@@ -464,7 +465,7 @@
           <a:p>
             <a:fld id="{C3846A03-56D7-45AB-AA1A-DD18A66C2B17}" type="datetimeFigureOut">
               <a:rPr lang="en-US" smtClean="0"/>
-              <a:t>9/7/2025</a:t>
+              <a:t>9/13/2025</a:t>
             </a:fld>
             <a:endParaRPr lang="en-US"/>
           </a:p>
@@ -672,7 +673,7 @@
           <a:p>
             <a:fld id="{C3846A03-56D7-45AB-AA1A-DD18A66C2B17}" type="datetimeFigureOut">
               <a:rPr lang="en-US" smtClean="0"/>
-              <a:t>9/7/2025</a:t>
+              <a:t>9/13/2025</a:t>
             </a:fld>
             <a:endParaRPr lang="en-US"/>
           </a:p>
@@ -870,7 +871,7 @@
           <a:p>
             <a:fld id="{C3846A03-56D7-45AB-AA1A-DD18A66C2B17}" type="datetimeFigureOut">
               <a:rPr lang="en-US" smtClean="0"/>
-              <a:t>9/7/2025</a:t>
+              <a:t>9/13/2025</a:t>
             </a:fld>
             <a:endParaRPr lang="en-US"/>
           </a:p>
@@ -1145,7 +1146,7 @@
           <a:p>
             <a:fld id="{C3846A03-56D7-45AB-AA1A-DD18A66C2B17}" type="datetimeFigureOut">
               <a:rPr lang="en-US" smtClean="0"/>
-              <a:t>9/7/2025</a:t>
+              <a:t>9/13/2025</a:t>
             </a:fld>
             <a:endParaRPr lang="en-US"/>
           </a:p>
@@ -1410,7 +1411,7 @@
           <a:p>
             <a:fld id="{C3846A03-56D7-45AB-AA1A-DD18A66C2B17}" type="datetimeFigureOut">
               <a:rPr lang="en-US" smtClean="0"/>
-              <a:t>9/7/2025</a:t>
+              <a:t>9/13/2025</a:t>
             </a:fld>
             <a:endParaRPr lang="en-US"/>
           </a:p>
@@ -1822,7 +1823,7 @@
           <a:p>
             <a:fld id="{C3846A03-56D7-45AB-AA1A-DD18A66C2B17}" type="datetimeFigureOut">
               <a:rPr lang="en-US" smtClean="0"/>
-              <a:t>9/7/2025</a:t>
+              <a:t>9/13/2025</a:t>
             </a:fld>
             <a:endParaRPr lang="en-US"/>
           </a:p>
@@ -1963,7 +1964,7 @@
           <a:p>
             <a:fld id="{C3846A03-56D7-45AB-AA1A-DD18A66C2B17}" type="datetimeFigureOut">
               <a:rPr lang="en-US" smtClean="0"/>
-              <a:t>9/7/2025</a:t>
+              <a:t>9/13/2025</a:t>
             </a:fld>
             <a:endParaRPr lang="en-US"/>
           </a:p>
@@ -2076,7 +2077,7 @@
           <a:p>
             <a:fld id="{C3846A03-56D7-45AB-AA1A-DD18A66C2B17}" type="datetimeFigureOut">
               <a:rPr lang="en-US" smtClean="0"/>
-              <a:t>9/7/2025</a:t>
+              <a:t>9/13/2025</a:t>
             </a:fld>
             <a:endParaRPr lang="en-US"/>
           </a:p>
@@ -2387,7 +2388,7 @@
           <a:p>
             <a:fld id="{C3846A03-56D7-45AB-AA1A-DD18A66C2B17}" type="datetimeFigureOut">
               <a:rPr lang="en-US" smtClean="0"/>
-              <a:t>9/7/2025</a:t>
+              <a:t>9/13/2025</a:t>
             </a:fld>
             <a:endParaRPr lang="en-US"/>
           </a:p>
@@ -2675,7 +2676,7 @@
           <a:p>
             <a:fld id="{C3846A03-56D7-45AB-AA1A-DD18A66C2B17}" type="datetimeFigureOut">
               <a:rPr lang="en-US" smtClean="0"/>
-              <a:t>9/7/2025</a:t>
+              <a:t>9/13/2025</a:t>
             </a:fld>
             <a:endParaRPr lang="en-US"/>
           </a:p>
@@ -2916,7 +2917,7 @@
           <a:p>
             <a:fld id="{C3846A03-56D7-45AB-AA1A-DD18A66C2B17}" type="datetimeFigureOut">
               <a:rPr lang="en-US" smtClean="0"/>
-              <a:t>9/7/2025</a:t>
+              <a:t>9/13/2025</a:t>
             </a:fld>
             <a:endParaRPr lang="en-US"/>
           </a:p>
@@ -4919,6 +4920,318 @@
 </p:sld>
 </file>
 
+<file path=ppt/slides/slide9.xml><?xml version="1.0" encoding="utf-8"?>
+<p:sld xmlns:a="http://schemas.openxmlformats.org/drawingml/2006/main" xmlns:r="http://schemas.openxmlformats.org/officeDocument/2006/relationships" xmlns:p="http://schemas.openxmlformats.org/presentationml/2006/main">
+  <p:cSld>
+    <p:spTree>
+      <p:nvGrpSpPr>
+        <p:cNvPr id="1" name=""/>
+        <p:cNvGrpSpPr/>
+        <p:nvPr/>
+      </p:nvGrpSpPr>
+      <p:grpSpPr>
+        <a:xfrm>
+          <a:off x="0" y="0"/>
+          <a:ext cx="0" cy="0"/>
+          <a:chOff x="0" y="0"/>
+          <a:chExt cx="0" cy="0"/>
+        </a:xfrm>
+      </p:grpSpPr>
+      <p:sp>
+        <p:nvSpPr>
+          <p:cNvPr id="3" name="TextBox 2">
+            <a:extLst>
+              <a:ext uri="{FF2B5EF4-FFF2-40B4-BE49-F238E27FC236}">
+                <a16:creationId xmlns:a16="http://schemas.microsoft.com/office/drawing/2014/main" id="{C0B8B8B0-9C8A-F624-1EC1-0355F64F22A1}"/>
+              </a:ext>
+            </a:extLst>
+          </p:cNvPr>
+          <p:cNvSpPr txBox="1"/>
+          <p:nvPr/>
+        </p:nvSpPr>
+        <p:spPr>
+          <a:xfrm>
+            <a:off x="790770" y="421625"/>
+            <a:ext cx="6097554" cy="562205"/>
+          </a:xfrm>
+          <a:prstGeom prst="rect">
+            <a:avLst/>
+          </a:prstGeom>
+          <a:noFill/>
+        </p:spPr>
+        <p:txBody>
+          <a:bodyPr wrap="square">
+            <a:spAutoFit/>
+          </a:bodyPr>
+          <a:lstStyle/>
+          <a:p>
+            <a:pPr algn="l">
+              <a:lnSpc>
+                <a:spcPts val="3900"/>
+              </a:lnSpc>
+              <a:spcAft>
+                <a:spcPts val="2400"/>
+              </a:spcAft>
+              <a:buNone/>
+            </a:pPr>
+            <a:r>
+              <a:rPr lang="en-US" sz="2800" b="1" i="0" dirty="0">
+                <a:solidFill>
+                  <a:srgbClr val="242424"/>
+                </a:solidFill>
+                <a:effectLst/>
+                <a:latin typeface="sohne"/>
+              </a:rPr>
+              <a:t>GIT Assignment</a:t>
+            </a:r>
+          </a:p>
+        </p:txBody>
+      </p:sp>
+      <p:sp>
+        <p:nvSpPr>
+          <p:cNvPr id="5" name="TextBox 4">
+            <a:extLst>
+              <a:ext uri="{FF2B5EF4-FFF2-40B4-BE49-F238E27FC236}">
+                <a16:creationId xmlns:a16="http://schemas.microsoft.com/office/drawing/2014/main" id="{159F9C8B-7F8F-EE8C-1FB9-98482C324E9F}"/>
+              </a:ext>
+            </a:extLst>
+          </p:cNvPr>
+          <p:cNvSpPr txBox="1"/>
+          <p:nvPr/>
+        </p:nvSpPr>
+        <p:spPr>
+          <a:xfrm>
+            <a:off x="1285293" y="1189360"/>
+            <a:ext cx="6097554" cy="2538515"/>
+          </a:xfrm>
+          <a:prstGeom prst="rect">
+            <a:avLst/>
+          </a:prstGeom>
+          <a:noFill/>
+        </p:spPr>
+        <p:txBody>
+          <a:bodyPr wrap="square">
+            <a:spAutoFit/>
+          </a:bodyPr>
+          <a:lstStyle/>
+          <a:p>
+            <a:pPr algn="l">
+              <a:lnSpc>
+                <a:spcPts val="2400"/>
+              </a:lnSpc>
+              <a:buNone/>
+            </a:pPr>
+            <a:r>
+              <a:rPr lang="en-US" b="0" i="1" dirty="0">
+                <a:solidFill>
+                  <a:srgbClr val="242424"/>
+                </a:solidFill>
+                <a:effectLst/>
+                <a:latin typeface="source-serif-pro"/>
+              </a:rPr>
+              <a:t>● Create a new folder</a:t>
+            </a:r>
+          </a:p>
+          <a:p>
+            <a:pPr algn="l">
+              <a:lnSpc>
+                <a:spcPts val="2400"/>
+              </a:lnSpc>
+              <a:buNone/>
+            </a:pPr>
+            <a:r>
+              <a:rPr lang="en-US" b="1" i="1" dirty="0">
+                <a:solidFill>
+                  <a:srgbClr val="242424"/>
+                </a:solidFill>
+                <a:effectLst/>
+                <a:latin typeface="source-serif-pro"/>
+              </a:rPr>
+              <a:t>● Put the following files in the folder</a:t>
+            </a:r>
+          </a:p>
+          <a:p>
+            <a:pPr lvl="1">
+              <a:lnSpc>
+                <a:spcPts val="2400"/>
+              </a:lnSpc>
+            </a:pPr>
+            <a:r>
+              <a:rPr lang="en-US" b="1" i="1" dirty="0">
+                <a:solidFill>
+                  <a:srgbClr val="242424"/>
+                </a:solidFill>
+                <a:effectLst/>
+                <a:latin typeface="source-serif-pro"/>
+              </a:rPr>
+              <a:t>○ Code.txt</a:t>
+            </a:r>
+          </a:p>
+          <a:p>
+            <a:pPr lvl="1">
+              <a:lnSpc>
+                <a:spcPts val="2400"/>
+              </a:lnSpc>
+            </a:pPr>
+            <a:r>
+              <a:rPr lang="en-US" b="1" i="1" dirty="0">
+                <a:solidFill>
+                  <a:srgbClr val="242424"/>
+                </a:solidFill>
+                <a:effectLst/>
+                <a:latin typeface="source-serif-pro"/>
+              </a:rPr>
+              <a:t>○ Log.txt</a:t>
+            </a:r>
+          </a:p>
+          <a:p>
+            <a:pPr lvl="1">
+              <a:lnSpc>
+                <a:spcPts val="2400"/>
+              </a:lnSpc>
+            </a:pPr>
+            <a:r>
+              <a:rPr lang="en-US" b="1" i="1" dirty="0">
+                <a:solidFill>
+                  <a:srgbClr val="242424"/>
+                </a:solidFill>
+                <a:effectLst/>
+                <a:latin typeface="source-serif-pro"/>
+              </a:rPr>
+              <a:t>○ Output.txt</a:t>
+            </a:r>
+          </a:p>
+          <a:p>
+            <a:pPr>
+              <a:lnSpc>
+                <a:spcPts val="2400"/>
+              </a:lnSpc>
+            </a:pPr>
+            <a:r>
+              <a:rPr lang="en-US" b="0" i="1" dirty="0">
+                <a:solidFill>
+                  <a:srgbClr val="242424"/>
+                </a:solidFill>
+                <a:effectLst/>
+                <a:latin typeface="source-serif-pro"/>
+              </a:rPr>
+              <a:t>● Stage the Code.txt and Output.txt files</a:t>
+            </a:r>
+          </a:p>
+          <a:p>
+            <a:pPr algn="l">
+              <a:lnSpc>
+                <a:spcPts val="2400"/>
+              </a:lnSpc>
+              <a:buNone/>
+            </a:pPr>
+            <a:r>
+              <a:rPr lang="en-US" b="0" i="1" dirty="0">
+                <a:solidFill>
+                  <a:srgbClr val="242424"/>
+                </a:solidFill>
+                <a:effectLst/>
+                <a:latin typeface="source-serif-pro"/>
+              </a:rPr>
+              <a:t>● Commit them</a:t>
+            </a:r>
+          </a:p>
+          <a:p>
+            <a:pPr algn="l">
+              <a:lnSpc>
+                <a:spcPts val="2400"/>
+              </a:lnSpc>
+              <a:buNone/>
+            </a:pPr>
+            <a:r>
+              <a:rPr lang="en-US" b="0" i="1" dirty="0">
+                <a:solidFill>
+                  <a:srgbClr val="242424"/>
+                </a:solidFill>
+                <a:effectLst/>
+                <a:latin typeface="source-serif-pro"/>
+              </a:rPr>
+              <a:t>● And Finally push them to GitHub</a:t>
+            </a:r>
+          </a:p>
+        </p:txBody>
+      </p:sp>
+      <p:graphicFrame>
+        <p:nvGraphicFramePr>
+          <p:cNvPr id="6" name="Object 5">
+            <a:extLst>
+              <a:ext uri="{FF2B5EF4-FFF2-40B4-BE49-F238E27FC236}">
+                <a16:creationId xmlns:a16="http://schemas.microsoft.com/office/drawing/2014/main" id="{D91539DD-3097-ACCB-9201-223A76FFA02B}"/>
+              </a:ext>
+            </a:extLst>
+          </p:cNvPr>
+          <p:cNvGraphicFramePr>
+            <a:graphicFrameLocks noChangeAspect="1"/>
+          </p:cNvGraphicFramePr>
+          <p:nvPr>
+            <p:extLst>
+              <p:ext uri="{D42A27DB-BD31-4B8C-83A1-F6EECF244321}">
+                <p14:modId xmlns:p14="http://schemas.microsoft.com/office/powerpoint/2010/main" val="3985674450"/>
+              </p:ext>
+            </p:extLst>
+          </p:nvPr>
+        </p:nvGraphicFramePr>
+        <p:xfrm>
+          <a:off x="7113037" y="1189360"/>
+          <a:ext cx="4391608" cy="3804538"/>
+        </p:xfrm>
+        <a:graphic>
+          <a:graphicData uri="http://schemas.openxmlformats.org/presentationml/2006/ole">
+            <mc:AlternateContent xmlns:mc="http://schemas.openxmlformats.org/markup-compatibility/2006">
+              <mc:Choice xmlns:v="urn:schemas-microsoft-com:vml" Requires="v">
+                <p:oleObj name="Acrobat Document" showAsIcon="1" r:id="rId2" imgW="914282" imgH="792690" progId="Acrobat.Document.DC">
+                  <p:embed/>
+                </p:oleObj>
+              </mc:Choice>
+              <mc:Fallback>
+                <p:oleObj name="Acrobat Document" showAsIcon="1" r:id="rId2" imgW="914282" imgH="792690" progId="Acrobat.Document.DC">
+                  <p:embed/>
+                  <p:pic>
+                    <p:nvPicPr>
+                      <p:cNvPr id="0" name=""/>
+                      <p:cNvPicPr/>
+                      <p:nvPr/>
+                    </p:nvPicPr>
+                    <p:blipFill>
+                      <a:blip r:embed="rId3"/>
+                      <a:stretch>
+                        <a:fillRect/>
+                      </a:stretch>
+                    </p:blipFill>
+                    <p:spPr>
+                      <a:xfrm>
+                        <a:off x="7113037" y="1189360"/>
+                        <a:ext cx="4391608" cy="3804538"/>
+                      </a:xfrm>
+                      <a:prstGeom prst="rect">
+                        <a:avLst/>
+                      </a:prstGeom>
+                    </p:spPr>
+                  </p:pic>
+                </p:oleObj>
+              </mc:Fallback>
+            </mc:AlternateContent>
+          </a:graphicData>
+        </a:graphic>
+      </p:graphicFrame>
+    </p:spTree>
+    <p:extLst>
+      <p:ext uri="{BB962C8B-B14F-4D97-AF65-F5344CB8AC3E}">
+        <p14:creationId xmlns:p14="http://schemas.microsoft.com/office/powerpoint/2010/main" val="987082795"/>
+      </p:ext>
+    </p:extLst>
+  </p:cSld>
+  <p:clrMapOvr>
+    <a:masterClrMapping/>
+  </p:clrMapOvr>
+</p:sld>
+</file>
+
 <file path=ppt/theme/theme1.xml><?xml version="1.0" encoding="utf-8"?>
 <a:theme xmlns:a="http://schemas.openxmlformats.org/drawingml/2006/main" name="Office Theme">
   <a:themeElements>
